--- a/아두이노특강2일차.pptx
+++ b/아두이노특강2일차.pptx
@@ -8,8 +8,9 @@
     <p:sldId id="261" r:id="rId2"/>
     <p:sldId id="262" r:id="rId3"/>
     <p:sldId id="257" r:id="rId4"/>
-    <p:sldId id="263" r:id="rId5"/>
-    <p:sldId id="260" r:id="rId6"/>
+    <p:sldId id="264" r:id="rId5"/>
+    <p:sldId id="263" r:id="rId6"/>
+    <p:sldId id="260" r:id="rId7"/>
   </p:sldIdLst>
   <p:sldSz cx="12192000" cy="6858000"/>
   <p:notesSz cx="6858000" cy="9144000"/>
@@ -4053,6 +4054,157 @@
         <p:spPr>
           <a:xfrm>
             <a:off x="0" y="0"/>
+            <a:ext cx="1851789" cy="400110"/>
+          </a:xfrm>
+          <a:prstGeom prst="rect">
+            <a:avLst/>
+          </a:prstGeom>
+          <a:noFill/>
+        </p:spPr>
+        <p:txBody>
+          <a:bodyPr wrap="none" rtlCol="0">
+            <a:spAutoFit/>
+          </a:bodyPr>
+          <a:lstStyle/>
+          <a:p>
+            <a:r>
+              <a:rPr lang="en-US" altLang="ko-KR" sz="2000">
+                <a:latin typeface="돋움체" panose="020B0609000101010101" pitchFamily="49" charset="-127"/>
+                <a:ea typeface="돋움체" panose="020B0609000101010101" pitchFamily="49" charset="-127"/>
+              </a:rPr>
+              <a:t>PCF8574</a:t>
+            </a:r>
+            <a:r>
+              <a:rPr lang="ko-KR" altLang="en-US" sz="2000">
+                <a:latin typeface="돋움체" panose="020B0609000101010101" pitchFamily="49" charset="-127"/>
+                <a:ea typeface="돋움체" panose="020B0609000101010101" pitchFamily="49" charset="-127"/>
+              </a:rPr>
+              <a:t>연결법</a:t>
+            </a:r>
+            <a:endParaRPr lang="ko-KR" altLang="en-US" sz="2000" dirty="0">
+              <a:latin typeface="돋움체" panose="020B0609000101010101" pitchFamily="49" charset="-127"/>
+              <a:ea typeface="돋움체" panose="020B0609000101010101" pitchFamily="49" charset="-127"/>
+            </a:endParaRPr>
+          </a:p>
+        </p:txBody>
+      </p:sp>
+      <p:pic>
+        <p:nvPicPr>
+          <p:cNvPr id="4" name="그림 3" descr="회로, 케이블, 게임이(가) 표시된 사진&#10;&#10;자동 생성된 설명">
+            <a:extLst>
+              <a:ext uri="{FF2B5EF4-FFF2-40B4-BE49-F238E27FC236}">
+                <a16:creationId xmlns:a16="http://schemas.microsoft.com/office/drawing/2014/main" id="{DD0ADDE7-8496-403B-AA4E-F38DEFDDD25E}"/>
+              </a:ext>
+            </a:extLst>
+          </p:cNvPr>
+          <p:cNvPicPr>
+            <a:picLocks noChangeAspect="1"/>
+          </p:cNvPicPr>
+          <p:nvPr/>
+        </p:nvPicPr>
+        <p:blipFill>
+          <a:blip r:embed="rId2">
+            <a:extLst>
+              <a:ext uri="{28A0092B-C50C-407E-A947-70E740481C1C}">
+                <a14:useLocalDpi xmlns:a14="http://schemas.microsoft.com/office/drawing/2010/main" val="0"/>
+              </a:ext>
+            </a:extLst>
+          </a:blip>
+          <a:stretch>
+            <a:fillRect/>
+          </a:stretch>
+        </p:blipFill>
+        <p:spPr>
+          <a:xfrm>
+            <a:off x="6528048" y="1340768"/>
+            <a:ext cx="4572000" cy="3429000"/>
+          </a:xfrm>
+          <a:prstGeom prst="rect">
+            <a:avLst/>
+          </a:prstGeom>
+        </p:spPr>
+      </p:pic>
+      <p:pic>
+        <p:nvPicPr>
+          <p:cNvPr id="11" name="그림 10" descr="테이블, 회로, 앉아있는, 책상이(가) 표시된 사진&#10;&#10;자동 생성된 설명">
+            <a:extLst>
+              <a:ext uri="{FF2B5EF4-FFF2-40B4-BE49-F238E27FC236}">
+                <a16:creationId xmlns:a16="http://schemas.microsoft.com/office/drawing/2014/main" id="{95054583-FA3C-4619-BCD6-94E582E8ED69}"/>
+              </a:ext>
+            </a:extLst>
+          </p:cNvPr>
+          <p:cNvPicPr>
+            <a:picLocks noChangeAspect="1"/>
+          </p:cNvPicPr>
+          <p:nvPr/>
+        </p:nvPicPr>
+        <p:blipFill>
+          <a:blip r:embed="rId3">
+            <a:extLst>
+              <a:ext uri="{28A0092B-C50C-407E-A947-70E740481C1C}">
+                <a14:useLocalDpi xmlns:a14="http://schemas.microsoft.com/office/drawing/2010/main" val="0"/>
+              </a:ext>
+            </a:extLst>
+          </a:blip>
+          <a:stretch>
+            <a:fillRect/>
+          </a:stretch>
+        </p:blipFill>
+        <p:spPr>
+          <a:xfrm>
+            <a:off x="1127448" y="1340768"/>
+            <a:ext cx="4572000" cy="3429000"/>
+          </a:xfrm>
+          <a:prstGeom prst="rect">
+            <a:avLst/>
+          </a:prstGeom>
+        </p:spPr>
+      </p:pic>
+    </p:spTree>
+    <p:extLst>
+      <p:ext uri="{BB962C8B-B14F-4D97-AF65-F5344CB8AC3E}">
+        <p14:creationId xmlns:p14="http://schemas.microsoft.com/office/powerpoint/2010/main" val="3424787114"/>
+      </p:ext>
+    </p:extLst>
+  </p:cSld>
+  <p:clrMapOvr>
+    <a:masterClrMapping/>
+  </p:clrMapOvr>
+</p:sld>
+</file>
+
+<file path=ppt/slides/slide5.xml><?xml version="1.0" encoding="utf-8"?>
+<p:sld xmlns:a="http://schemas.openxmlformats.org/drawingml/2006/main" xmlns:r="http://schemas.openxmlformats.org/officeDocument/2006/relationships" xmlns:p="http://schemas.openxmlformats.org/presentationml/2006/main">
+  <p:cSld>
+    <p:spTree>
+      <p:nvGrpSpPr>
+        <p:cNvPr id="1" name=""/>
+        <p:cNvGrpSpPr/>
+        <p:nvPr/>
+      </p:nvGrpSpPr>
+      <p:grpSpPr>
+        <a:xfrm>
+          <a:off x="0" y="0"/>
+          <a:ext cx="0" cy="0"/>
+          <a:chOff x="0" y="0"/>
+          <a:chExt cx="0" cy="0"/>
+        </a:xfrm>
+      </p:grpSpPr>
+      <p:sp>
+        <p:nvSpPr>
+          <p:cNvPr id="6" name="TextBox 5">
+            <a:extLst>
+              <a:ext uri="{FF2B5EF4-FFF2-40B4-BE49-F238E27FC236}">
+                <a16:creationId xmlns:a16="http://schemas.microsoft.com/office/drawing/2014/main" id="{BDDA77C7-0227-418C-9300-DE5B897C9394}"/>
+              </a:ext>
+            </a:extLst>
+          </p:cNvPr>
+          <p:cNvSpPr txBox="1"/>
+          <p:nvPr/>
+        </p:nvSpPr>
+        <p:spPr>
+          <a:xfrm>
+            <a:off x="0" y="0"/>
             <a:ext cx="3134191" cy="400110"/>
           </a:xfrm>
           <a:prstGeom prst="rect">
@@ -4191,7 +4343,7 @@
 </p:sld>
 </file>
 
-<file path=ppt/slides/slide5.xml><?xml version="1.0" encoding="utf-8"?>
+<file path=ppt/slides/slide6.xml><?xml version="1.0" encoding="utf-8"?>
 <p:sld xmlns:a="http://schemas.openxmlformats.org/drawingml/2006/main" xmlns:r="http://schemas.openxmlformats.org/officeDocument/2006/relationships" xmlns:p="http://schemas.openxmlformats.org/presentationml/2006/main">
   <p:cSld>
     <p:spTree>
